--- a/SWEN_670_Documentation/Milestone 4/Presentation/NASA Gamify Presentation - Milestone 4 v2.pptx
+++ b/SWEN_670_Documentation/Milestone 4/Presentation/NASA Gamify Presentation - Milestone 4 v2.pptx
@@ -5,22 +5,23 @@
     <p:sldMasterId id="2147483684" r:id="rId4"/>
   </p:sldMasterIdLst>
   <p:notesMasterIdLst>
-    <p:notesMasterId r:id="rId15"/>
+    <p:notesMasterId r:id="rId16"/>
   </p:notesMasterIdLst>
   <p:handoutMasterIdLst>
-    <p:handoutMasterId r:id="rId16"/>
+    <p:handoutMasterId r:id="rId17"/>
   </p:handoutMasterIdLst>
   <p:sldIdLst>
     <p:sldId id="265" r:id="rId5"/>
     <p:sldId id="269" r:id="rId6"/>
     <p:sldId id="272" r:id="rId7"/>
     <p:sldId id="279" r:id="rId8"/>
-    <p:sldId id="281" r:id="rId9"/>
-    <p:sldId id="284" r:id="rId10"/>
-    <p:sldId id="283" r:id="rId11"/>
-    <p:sldId id="280" r:id="rId12"/>
-    <p:sldId id="282" r:id="rId13"/>
-    <p:sldId id="278" r:id="rId14"/>
+    <p:sldId id="285" r:id="rId9"/>
+    <p:sldId id="281" r:id="rId10"/>
+    <p:sldId id="284" r:id="rId11"/>
+    <p:sldId id="283" r:id="rId12"/>
+    <p:sldId id="280" r:id="rId13"/>
+    <p:sldId id="282" r:id="rId14"/>
+    <p:sldId id="278" r:id="rId15"/>
   </p:sldIdLst>
   <p:sldSz cx="12192000" cy="6858000"/>
   <p:notesSz cx="6858000" cy="9144000"/>
@@ -809,27 +810,194 @@
           <a:bodyPr/>
           <a:lstStyle/>
           <a:p>
-            <a:r>
-              <a:rPr lang="en-US" dirty="0"/>
-              <a:t>This concludes our presentation and we open the floor up for any final questions.</a:t>
-            </a:r>
-          </a:p>
-          <a:p>
-            <a:endParaRPr lang="en-US" dirty="0"/>
-          </a:p>
-          <a:p>
+            <a:pPr marL="0" marR="0" lvl="0" indent="0" algn="l" defTabSz="914400" rtl="0" eaLnBrk="1" fontAlgn="auto" latinLnBrk="0" hangingPunct="1">
+              <a:lnSpc>
+                <a:spcPct val="100000"/>
+              </a:lnSpc>
+              <a:spcBef>
+                <a:spcPts val="0"/>
+              </a:spcBef>
+              <a:spcAft>
+                <a:spcPts val="0"/>
+              </a:spcAft>
+              <a:buClrTx/>
+              <a:buSzTx/>
+              <a:buFontTx/>
+              <a:buNone/>
+              <a:tabLst/>
+              <a:defRPr/>
+            </a:pPr>
             <a:r>
               <a:rPr lang="en-US" b="1" dirty="0"/>
-              <a:t>[Q &amp; A]</a:t>
-            </a:r>
-          </a:p>
-          <a:p>
-            <a:endParaRPr lang="en-US" dirty="0"/>
-          </a:p>
-          <a:p>
-            <a:r>
-              <a:rPr lang="en-US" dirty="0"/>
-              <a:t>We thank you for your time, Dr. Brown, and this opportunity that you and the sponsor have provided.  It was an adventure to say the least and we hope that groups in future semesters are able to continue our work with the foundation that we have built.</a:t>
+              <a:t>[]</a:t>
+            </a:r>
+          </a:p>
+          <a:p>
+            <a:pPr marL="0" marR="0" lvl="0" indent="0" algn="l" defTabSz="914400" rtl="0" eaLnBrk="1" fontAlgn="auto" latinLnBrk="0" hangingPunct="1">
+              <a:lnSpc>
+                <a:spcPct val="100000"/>
+              </a:lnSpc>
+              <a:spcBef>
+                <a:spcPts val="0"/>
+              </a:spcBef>
+              <a:spcAft>
+                <a:spcPts val="0"/>
+              </a:spcAft>
+              <a:buClrTx/>
+              <a:buSzTx/>
+              <a:buFontTx/>
+              <a:buNone/>
+              <a:tabLst/>
+              <a:defRPr/>
+            </a:pPr>
+            <a:r>
+              <a:rPr lang="en-US" b="0" dirty="0"/>
+              <a:t>We made certain decisions for our project based on time constraints and group consensus.  We wanted to call out these items to ensure that future groups think on them and consider them for their terms as well.</a:t>
+            </a:r>
+          </a:p>
+          <a:p>
+            <a:pPr marL="0" marR="0" lvl="0" indent="0" algn="l" defTabSz="914400" rtl="0" eaLnBrk="1" fontAlgn="auto" latinLnBrk="0" hangingPunct="1">
+              <a:lnSpc>
+                <a:spcPct val="100000"/>
+              </a:lnSpc>
+              <a:spcBef>
+                <a:spcPts val="0"/>
+              </a:spcBef>
+              <a:spcAft>
+                <a:spcPts val="0"/>
+              </a:spcAft>
+              <a:buClrTx/>
+              <a:buSzTx/>
+              <a:buFontTx/>
+              <a:buNone/>
+              <a:tabLst/>
+              <a:defRPr/>
+            </a:pPr>
+            <a:endParaRPr lang="en-US" b="0" dirty="0"/>
+          </a:p>
+          <a:p>
+            <a:pPr marL="0" marR="0" lvl="0" indent="0" algn="l" defTabSz="914400" rtl="0" eaLnBrk="1" fontAlgn="auto" latinLnBrk="0" hangingPunct="1">
+              <a:lnSpc>
+                <a:spcPct val="100000"/>
+              </a:lnSpc>
+              <a:spcBef>
+                <a:spcPts val="0"/>
+              </a:spcBef>
+              <a:spcAft>
+                <a:spcPts val="0"/>
+              </a:spcAft>
+              <a:buClrTx/>
+              <a:buSzTx/>
+              <a:buFontTx/>
+              <a:buNone/>
+              <a:tabLst/>
+              <a:defRPr/>
+            </a:pPr>
+            <a:r>
+              <a:rPr lang="en-US" b="0" dirty="0"/>
+              <a:t>The first decision that we made was to not use dates when installing the NASA EVA Gamification extension.  The purpose of this was mainly because there may not always be circumstances where the dates of when badges would be earned would be easily be retrieved or if they are even retrievable.  This would create an inconsistency and employing a default date of when the extension was installed would be meaningless.</a:t>
+            </a:r>
+          </a:p>
+          <a:p>
+            <a:pPr marL="0" marR="0" lvl="0" indent="0" algn="l" defTabSz="914400" rtl="0" eaLnBrk="1" fontAlgn="auto" latinLnBrk="0" hangingPunct="1">
+              <a:lnSpc>
+                <a:spcPct val="100000"/>
+              </a:lnSpc>
+              <a:spcBef>
+                <a:spcPts val="0"/>
+              </a:spcBef>
+              <a:spcAft>
+                <a:spcPts val="0"/>
+              </a:spcAft>
+              <a:buClrTx/>
+              <a:buSzTx/>
+              <a:buFontTx/>
+              <a:buNone/>
+              <a:tabLst/>
+              <a:defRPr/>
+            </a:pPr>
+            <a:endParaRPr lang="en-US" b="0" dirty="0"/>
+          </a:p>
+          <a:p>
+            <a:pPr marL="0" marR="0" lvl="0" indent="0" algn="l" defTabSz="914400" rtl="0" eaLnBrk="1" fontAlgn="auto" latinLnBrk="0" hangingPunct="1">
+              <a:lnSpc>
+                <a:spcPct val="100000"/>
+              </a:lnSpc>
+              <a:spcBef>
+                <a:spcPts val="0"/>
+              </a:spcBef>
+              <a:spcAft>
+                <a:spcPts val="0"/>
+              </a:spcAft>
+              <a:buClrTx/>
+              <a:buSzTx/>
+              <a:buFontTx/>
+              <a:buNone/>
+              <a:tabLst/>
+              <a:defRPr/>
+            </a:pPr>
+            <a:r>
+              <a:rPr lang="en-US" b="0" dirty="0"/>
+              <a:t>The second decision that we made was to avoid using foreign key constraints and indexes to be consistent with </a:t>
+            </a:r>
+            <a:r>
+              <a:rPr lang="en-US" b="0" dirty="0" err="1"/>
+              <a:t>MediaWiki’s</a:t>
+            </a:r>
+            <a:r>
+              <a:rPr lang="en-US" b="0" dirty="0"/>
+              <a:t> standard practices and based on out of the box </a:t>
+            </a:r>
+            <a:r>
+              <a:rPr lang="en-US" b="0" dirty="0" err="1"/>
+              <a:t>MediaWiki</a:t>
+            </a:r>
+            <a:r>
+              <a:rPr lang="en-US" b="0" dirty="0"/>
+              <a:t> database table configurations.  The implementation of indexes and foreign keys can be investigated by future teams for optimization.</a:t>
+            </a:r>
+          </a:p>
+          <a:p>
+            <a:pPr marL="0" marR="0" lvl="0" indent="0" algn="l" defTabSz="914400" rtl="0" eaLnBrk="1" fontAlgn="auto" latinLnBrk="0" hangingPunct="1">
+              <a:lnSpc>
+                <a:spcPct val="100000"/>
+              </a:lnSpc>
+              <a:spcBef>
+                <a:spcPts val="0"/>
+              </a:spcBef>
+              <a:spcAft>
+                <a:spcPts val="0"/>
+              </a:spcAft>
+              <a:buClrTx/>
+              <a:buSzTx/>
+              <a:buFontTx/>
+              <a:buNone/>
+              <a:tabLst/>
+              <a:defRPr/>
+            </a:pPr>
+            <a:endParaRPr lang="en-US" b="0" dirty="0"/>
+          </a:p>
+          <a:p>
+            <a:pPr marL="0" marR="0" lvl="0" indent="0" algn="l" defTabSz="914400" rtl="0" eaLnBrk="1" fontAlgn="auto" latinLnBrk="0" hangingPunct="1">
+              <a:lnSpc>
+                <a:spcPct val="100000"/>
+              </a:lnSpc>
+              <a:spcBef>
+                <a:spcPts val="0"/>
+              </a:spcBef>
+              <a:spcAft>
+                <a:spcPts val="0"/>
+              </a:spcAft>
+              <a:buClrTx/>
+              <a:buSzTx/>
+              <a:buFontTx/>
+              <a:buNone/>
+              <a:tabLst/>
+              <a:defRPr/>
+            </a:pPr>
+            <a:r>
+              <a:rPr lang="en-US" b="0" dirty="0"/>
+              <a:t>Lastly, the team came together to use NASA-themed key words for the NASA EVA Gamification extension, but it is recommended that the final version of the extension come with generic names for badges to reach a wider audience.</a:t>
             </a:r>
           </a:p>
         </p:txBody>
@@ -852,6 +1020,111 @@
             <a:fld id="{810E1E9A-E921-4174-A0FC-51868D7AC568}" type="slidenum">
               <a:rPr lang="en-US" smtClean="0"/>
               <a:t>10</a:t>
+            </a:fld>
+            <a:endParaRPr lang="en-US"/>
+          </a:p>
+        </p:txBody>
+      </p:sp>
+    </p:spTree>
+    <p:extLst>
+      <p:ext uri="{BB962C8B-B14F-4D97-AF65-F5344CB8AC3E}">
+        <p14:creationId xmlns:p14="http://schemas.microsoft.com/office/powerpoint/2010/main" val="1183343067"/>
+      </p:ext>
+    </p:extLst>
+  </p:cSld>
+  <p:clrMapOvr>
+    <a:masterClrMapping/>
+  </p:clrMapOvr>
+</p:notes>
+</file>
+
+<file path=ppt/notesSlides/notesSlide11.xml><?xml version="1.0" encoding="utf-8"?>
+<p:notes xmlns:a="http://schemas.openxmlformats.org/drawingml/2006/main" xmlns:r="http://schemas.openxmlformats.org/officeDocument/2006/relationships" xmlns:p="http://schemas.openxmlformats.org/presentationml/2006/main">
+  <p:cSld>
+    <p:spTree>
+      <p:nvGrpSpPr>
+        <p:cNvPr id="1" name=""/>
+        <p:cNvGrpSpPr/>
+        <p:nvPr/>
+      </p:nvGrpSpPr>
+      <p:grpSpPr>
+        <a:xfrm>
+          <a:off x="0" y="0"/>
+          <a:ext cx="0" cy="0"/>
+          <a:chOff x="0" y="0"/>
+          <a:chExt cx="0" cy="0"/>
+        </a:xfrm>
+      </p:grpSpPr>
+      <p:sp>
+        <p:nvSpPr>
+          <p:cNvPr id="2" name="Slide Image Placeholder 1"/>
+          <p:cNvSpPr>
+            <a:spLocks noGrp="1" noRot="1" noChangeAspect="1"/>
+          </p:cNvSpPr>
+          <p:nvPr>
+            <p:ph type="sldImg"/>
+          </p:nvPr>
+        </p:nvSpPr>
+        <p:spPr/>
+      </p:sp>
+      <p:sp>
+        <p:nvSpPr>
+          <p:cNvPr id="3" name="Notes Placeholder 2"/>
+          <p:cNvSpPr>
+            <a:spLocks noGrp="1"/>
+          </p:cNvSpPr>
+          <p:nvPr>
+            <p:ph type="body" idx="1"/>
+          </p:nvPr>
+        </p:nvSpPr>
+        <p:spPr/>
+        <p:txBody>
+          <a:bodyPr/>
+          <a:lstStyle/>
+          <a:p>
+            <a:r>
+              <a:rPr lang="en-US" dirty="0"/>
+              <a:t>This concludes our presentation and we open the floor up for any final questions.</a:t>
+            </a:r>
+          </a:p>
+          <a:p>
+            <a:endParaRPr lang="en-US" dirty="0"/>
+          </a:p>
+          <a:p>
+            <a:r>
+              <a:rPr lang="en-US" b="1" dirty="0"/>
+              <a:t>[Q &amp; A]</a:t>
+            </a:r>
+          </a:p>
+          <a:p>
+            <a:endParaRPr lang="en-US" dirty="0"/>
+          </a:p>
+          <a:p>
+            <a:r>
+              <a:rPr lang="en-US" dirty="0"/>
+              <a:t>We thank you for your time, Dr. Brown, and this opportunity that you and the sponsor have provided.  It was an adventure to say the least and we hope that groups in future semesters are able to continue our work with the foundation that we have built.</a:t>
+            </a:r>
+          </a:p>
+        </p:txBody>
+      </p:sp>
+      <p:sp>
+        <p:nvSpPr>
+          <p:cNvPr id="4" name="Slide Number Placeholder 3"/>
+          <p:cNvSpPr>
+            <a:spLocks noGrp="1"/>
+          </p:cNvSpPr>
+          <p:nvPr>
+            <p:ph type="sldNum" sz="quarter" idx="10"/>
+          </p:nvPr>
+        </p:nvSpPr>
+        <p:spPr/>
+        <p:txBody>
+          <a:bodyPr/>
+          <a:lstStyle/>
+          <a:p>
+            <a:fld id="{810E1E9A-E921-4174-A0FC-51868D7AC568}" type="slidenum">
+              <a:rPr lang="en-US" smtClean="0"/>
+              <a:t>11</a:t>
             </a:fld>
             <a:endParaRPr lang="en-US"/>
           </a:p>
@@ -1473,100 +1746,7 @@
           <a:p>
             <a:r>
               <a:rPr lang="en-US" dirty="0"/>
-              <a:t>In order to facilitate an smooth transition to the next team to take on this project, our group has created a set of handover documentation.</a:t>
-            </a:r>
-          </a:p>
-          <a:p>
-            <a:endParaRPr lang="en-US" dirty="0"/>
-          </a:p>
-          <a:p>
-            <a:r>
-              <a:rPr lang="en-US" dirty="0"/>
-              <a:t>This set of documents include:</a:t>
-            </a:r>
-          </a:p>
-          <a:p>
-            <a:pPr marL="171450" indent="-171450">
-              <a:buFont typeface="Arial" panose="020B0604020202020204" pitchFamily="34" charset="0"/>
-              <a:buChar char="•"/>
-            </a:pPr>
-            <a:r>
-              <a:rPr lang="en-US" dirty="0"/>
-              <a:t>A document on how to install </a:t>
-            </a:r>
-            <a:r>
-              <a:rPr lang="en-US" dirty="0" err="1"/>
-              <a:t>MediaWiki</a:t>
-            </a:r>
-            <a:r>
-              <a:rPr lang="en-US" dirty="0"/>
-              <a:t> on a CentOS (Linux) system</a:t>
-            </a:r>
-          </a:p>
-          <a:p>
-            <a:pPr marL="171450" indent="-171450">
-              <a:buFont typeface="Arial" panose="020B0604020202020204" pitchFamily="34" charset="0"/>
-              <a:buChar char="•"/>
-            </a:pPr>
-            <a:r>
-              <a:rPr lang="en-US" dirty="0"/>
-              <a:t>A document on how to install </a:t>
-            </a:r>
-            <a:r>
-              <a:rPr lang="en-US" dirty="0" err="1"/>
-              <a:t>MediaWiki</a:t>
-            </a:r>
-            <a:r>
-              <a:rPr lang="en-US" dirty="0"/>
-              <a:t> on a Windows system</a:t>
-            </a:r>
-          </a:p>
-          <a:p>
-            <a:pPr marL="171450" marR="0" lvl="0" indent="-171450" algn="l" defTabSz="914400" rtl="0" eaLnBrk="1" fontAlgn="auto" latinLnBrk="0" hangingPunct="1">
-              <a:lnSpc>
-                <a:spcPct val="100000"/>
-              </a:lnSpc>
-              <a:spcBef>
-                <a:spcPts val="0"/>
-              </a:spcBef>
-              <a:spcAft>
-                <a:spcPts val="0"/>
-              </a:spcAft>
-              <a:buClrTx/>
-              <a:buSzTx/>
-              <a:buFont typeface="Arial" panose="020B0604020202020204" pitchFamily="34" charset="0"/>
-              <a:buChar char="•"/>
-              <a:tabLst/>
-              <a:defRPr/>
-            </a:pPr>
-            <a:r>
-              <a:rPr lang="en-US" dirty="0"/>
-              <a:t>A document on the basics of </a:t>
-            </a:r>
-            <a:r>
-              <a:rPr lang="en-US" dirty="0" err="1"/>
-              <a:t>MediaWiki</a:t>
-            </a:r>
-            <a:endParaRPr lang="en-US" dirty="0"/>
-          </a:p>
-          <a:p>
-            <a:pPr marL="171450" indent="-171450">
-              <a:buFont typeface="Arial" panose="020B0604020202020204" pitchFamily="34" charset="0"/>
-              <a:buChar char="•"/>
-            </a:pPr>
-            <a:r>
-              <a:rPr lang="en-US" dirty="0"/>
-              <a:t>A document on configuration and privacy information</a:t>
-            </a:r>
-          </a:p>
-          <a:p>
-            <a:pPr marL="171450" indent="-171450">
-              <a:buFont typeface="Arial" panose="020B0604020202020204" pitchFamily="34" charset="0"/>
-              <a:buChar char="•"/>
-            </a:pPr>
-            <a:r>
-              <a:rPr lang="en-US" dirty="0"/>
-              <a:t>A document on future recommendations</a:t>
+              <a:t>The final set of deliverables for this project will include a zip file containing all code present in the group’s GitHub repository which includes all previous Milestone deliverables as well as the Milestone 4 deliverable of handover documentation and this presentation.</a:t>
             </a:r>
           </a:p>
         </p:txBody>
@@ -1597,7 +1777,7 @@
     </p:spTree>
     <p:extLst>
       <p:ext uri="{BB962C8B-B14F-4D97-AF65-F5344CB8AC3E}">
-        <p14:creationId xmlns:p14="http://schemas.microsoft.com/office/powerpoint/2010/main" val="2042348415"/>
+        <p14:creationId xmlns:p14="http://schemas.microsoft.com/office/powerpoint/2010/main" val="3492326817"/>
       </p:ext>
     </p:extLst>
   </p:cSld>
@@ -1674,7 +1854,58 @@
             </a:r>
           </a:p>
           <a:p>
-            <a:pPr marL="0" marR="0" lvl="0" indent="0" algn="l" defTabSz="914400" rtl="0" eaLnBrk="1" fontAlgn="auto" latinLnBrk="0" hangingPunct="1">
+            <a:r>
+              <a:rPr lang="en-US" dirty="0"/>
+              <a:t>In order to facilitate a smooth transition to the next team to take on this project, our group has created a set of handover documentation.</a:t>
+            </a:r>
+          </a:p>
+          <a:p>
+            <a:endParaRPr lang="en-US" dirty="0"/>
+          </a:p>
+          <a:p>
+            <a:r>
+              <a:rPr lang="en-US" dirty="0"/>
+              <a:t>This set of documents include:</a:t>
+            </a:r>
+          </a:p>
+          <a:p>
+            <a:pPr marL="171450" indent="-171450">
+              <a:buFont typeface="Arial" panose="020B0604020202020204" pitchFamily="34" charset="0"/>
+              <a:buChar char="•"/>
+            </a:pPr>
+            <a:r>
+              <a:rPr lang="en-US" dirty="0"/>
+              <a:t>A document on how to install </a:t>
+            </a:r>
+            <a:r>
+              <a:rPr lang="en-US" dirty="0" err="1"/>
+              <a:t>MediaWiki</a:t>
+            </a:r>
+            <a:r>
+              <a:rPr lang="en-US" dirty="0"/>
+              <a:t> on a CentOS (Linux) system</a:t>
+            </a:r>
+          </a:p>
+          <a:p>
+            <a:pPr marL="171450" indent="-171450">
+              <a:buFont typeface="Arial" panose="020B0604020202020204" pitchFamily="34" charset="0"/>
+              <a:buChar char="•"/>
+            </a:pPr>
+            <a:r>
+              <a:rPr lang="en-US" dirty="0"/>
+              <a:t>A document on how to install </a:t>
+            </a:r>
+            <a:r>
+              <a:rPr lang="en-US" dirty="0" err="1"/>
+              <a:t>MediaWiki</a:t>
+            </a:r>
+            <a:r>
+              <a:rPr lang="en-US" dirty="0"/>
+              <a:t> on a Windows system</a:t>
+            </a:r>
+          </a:p>
+          <a:p>
+            <a:pPr marL="171450" marR="0" lvl="0" indent="-171450" algn="l" defTabSz="914400" rtl="0" eaLnBrk="1" fontAlgn="auto" latinLnBrk="0" hangingPunct="1">
               <a:lnSpc>
                 <a:spcPct val="100000"/>
               </a:lnSpc>
@@ -1686,65 +1917,39 @@
               </a:spcAft>
               <a:buClrTx/>
               <a:buSzTx/>
-              <a:buFontTx/>
-              <a:buNone/>
+              <a:buFont typeface="Arial" panose="020B0604020202020204" pitchFamily="34" charset="0"/>
+              <a:buChar char="•"/>
               <a:tabLst/>
               <a:defRPr/>
             </a:pPr>
             <a:r>
-              <a:rPr lang="en-US" b="0" dirty="0"/>
-              <a:t>To reduce the learning curve for future teams so that they can hit the ground running, we created installation documents for the </a:t>
-            </a:r>
-            <a:r>
-              <a:rPr lang="en-US" b="0" dirty="0" err="1"/>
+              <a:rPr lang="en-US" dirty="0"/>
+              <a:t>A document on the basics of </a:t>
+            </a:r>
+            <a:r>
+              <a:rPr lang="en-US" dirty="0" err="1"/>
               <a:t>MediaWiki</a:t>
             </a:r>
-            <a:r>
-              <a:rPr lang="en-US" b="0" dirty="0"/>
-              <a:t> platform for both the CentOS and Windows operating system, including instructions on how to set up a virtual CentOS environment. The CentOS is the preferred target environment as that is what the Meza platform that NASA uses is based off of, but Windows works as a development platform as well which is benefitted by the presence of a Graphical User Interface to expedite interactions for those not fluent in Linux.</a:t>
-            </a:r>
-          </a:p>
-          <a:p>
-            <a:pPr marL="0" marR="0" lvl="0" indent="0" algn="l" defTabSz="914400" rtl="0" eaLnBrk="1" fontAlgn="auto" latinLnBrk="0" hangingPunct="1">
-              <a:lnSpc>
-                <a:spcPct val="100000"/>
-              </a:lnSpc>
-              <a:spcBef>
-                <a:spcPts val="0"/>
-              </a:spcBef>
-              <a:spcAft>
-                <a:spcPts val="0"/>
-              </a:spcAft>
-              <a:buClrTx/>
-              <a:buSzTx/>
-              <a:buFontTx/>
-              <a:buNone/>
-              <a:tabLst/>
-              <a:defRPr/>
+            <a:endParaRPr lang="en-US" dirty="0"/>
+          </a:p>
+          <a:p>
+            <a:pPr marL="171450" indent="-171450">
+              <a:buFont typeface="Arial" panose="020B0604020202020204" pitchFamily="34" charset="0"/>
+              <a:buChar char="•"/>
             </a:pPr>
-            <a:endParaRPr lang="en-US" b="0" dirty="0"/>
-          </a:p>
-          <a:p>
-            <a:pPr marL="0" marR="0" lvl="0" indent="0" algn="l" defTabSz="914400" rtl="0" eaLnBrk="1" fontAlgn="auto" latinLnBrk="0" hangingPunct="1">
-              <a:lnSpc>
-                <a:spcPct val="100000"/>
-              </a:lnSpc>
-              <a:spcBef>
-                <a:spcPts val="0"/>
-              </a:spcBef>
-              <a:spcAft>
-                <a:spcPts val="0"/>
-              </a:spcAft>
-              <a:buClrTx/>
-              <a:buSzTx/>
-              <a:buFontTx/>
-              <a:buNone/>
-              <a:tabLst/>
-              <a:defRPr/>
+            <a:r>
+              <a:rPr lang="en-US" dirty="0"/>
+              <a:t>A document on configuration and privacy information</a:t>
+            </a:r>
+          </a:p>
+          <a:p>
+            <a:pPr marL="171450" indent="-171450">
+              <a:buFont typeface="Arial" panose="020B0604020202020204" pitchFamily="34" charset="0"/>
+              <a:buChar char="•"/>
             </a:pPr>
             <a:r>
-              <a:rPr lang="en-US" b="0" dirty="0"/>
-              <a:t>Both sets of instructions include references for setting up the NASA EVA Gamification extension as well. Both documents have been proven out by separate members of the team from those who have written the instructions.</a:t>
+              <a:rPr lang="en-US" dirty="0"/>
+              <a:t>A document on future recommendations</a:t>
             </a:r>
           </a:p>
         </p:txBody>
@@ -1775,7 +1980,7 @@
     </p:spTree>
     <p:extLst>
       <p:ext uri="{BB962C8B-B14F-4D97-AF65-F5344CB8AC3E}">
-        <p14:creationId xmlns:p14="http://schemas.microsoft.com/office/powerpoint/2010/main" val="3258896716"/>
+        <p14:creationId xmlns:p14="http://schemas.microsoft.com/office/powerpoint/2010/main" val="2042348415"/>
       </p:ext>
     </p:extLst>
   </p:cSld>
@@ -1871,7 +2076,7 @@
             </a:pPr>
             <a:r>
               <a:rPr lang="en-US" b="0" dirty="0"/>
-              <a:t>We have put together documentation on the basics of </a:t>
+              <a:t>To reduce the learning curve for future teams so that they can hit the ground running, we created installation documents for the </a:t>
             </a:r>
             <a:r>
               <a:rPr lang="en-US" b="0" dirty="0" err="1"/>
@@ -1879,15 +2084,50 @@
             </a:r>
             <a:r>
               <a:rPr lang="en-US" b="0" dirty="0"/>
-              <a:t> which were the major sources of learning for our team.  With these basics documented, future teams will be able to very quickly jump into development work without having to worry about figuring out how </a:t>
-            </a:r>
-            <a:r>
-              <a:rPr lang="en-US" b="0" dirty="0" err="1"/>
-              <a:t>MediaWiki</a:t>
-            </a:r>
+              <a:t> platform for both the CentOS and Windows operating system, including instructions on how to set up a virtual CentOS environment. The CentOS is the preferred target environment as that is what the Meza platform that NASA uses is based off of, but Windows works as a development platform as well which is benefitted by the presence of a Graphical User Interface to expedite interactions for those not fluent in Linux.</a:t>
+            </a:r>
+          </a:p>
+          <a:p>
+            <a:pPr marL="0" marR="0" lvl="0" indent="0" algn="l" defTabSz="914400" rtl="0" eaLnBrk="1" fontAlgn="auto" latinLnBrk="0" hangingPunct="1">
+              <a:lnSpc>
+                <a:spcPct val="100000"/>
+              </a:lnSpc>
+              <a:spcBef>
+                <a:spcPts val="0"/>
+              </a:spcBef>
+              <a:spcAft>
+                <a:spcPts val="0"/>
+              </a:spcAft>
+              <a:buClrTx/>
+              <a:buSzTx/>
+              <a:buFontTx/>
+              <a:buNone/>
+              <a:tabLst/>
+              <a:defRPr/>
+            </a:pPr>
+            <a:endParaRPr lang="en-US" b="0" dirty="0"/>
+          </a:p>
+          <a:p>
+            <a:pPr marL="0" marR="0" lvl="0" indent="0" algn="l" defTabSz="914400" rtl="0" eaLnBrk="1" fontAlgn="auto" latinLnBrk="0" hangingPunct="1">
+              <a:lnSpc>
+                <a:spcPct val="100000"/>
+              </a:lnSpc>
+              <a:spcBef>
+                <a:spcPts val="0"/>
+              </a:spcBef>
+              <a:spcAft>
+                <a:spcPts val="0"/>
+              </a:spcAft>
+              <a:buClrTx/>
+              <a:buSzTx/>
+              <a:buFontTx/>
+              <a:buNone/>
+              <a:tabLst/>
+              <a:defRPr/>
+            </a:pPr>
             <a:r>
               <a:rPr lang="en-US" b="0" dirty="0"/>
-              <a:t> extensions work, which includes Special Pages, Hooks, localization files, and more, how to interact with the database, tips on debugging, who to contact for support, and inspirational credit for the project that has been created.</a:t>
+              <a:t>Both sets of instructions include references for setting up the NASA EVA Gamification extension as well. Both documents have been proven out by separate members of the team from those who have written the instructions.</a:t>
             </a:r>
           </a:p>
         </p:txBody>
@@ -1918,7 +2158,7 @@
     </p:spTree>
     <p:extLst>
       <p:ext uri="{BB962C8B-B14F-4D97-AF65-F5344CB8AC3E}">
-        <p14:creationId xmlns:p14="http://schemas.microsoft.com/office/powerpoint/2010/main" val="1632952985"/>
+        <p14:creationId xmlns:p14="http://schemas.microsoft.com/office/powerpoint/2010/main" val="3258896716"/>
       </p:ext>
     </p:extLst>
   </p:cSld>
@@ -1995,210 +2235,42 @@
             </a:r>
           </a:p>
           <a:p>
-            <a:r>
-              <a:rPr lang="en-US" dirty="0"/>
-              <a:t>We have designed this </a:t>
-            </a:r>
-            <a:r>
-              <a:rPr lang="en-US" dirty="0" err="1"/>
-              <a:t>NASA_EVA_Gamification</a:t>
-            </a:r>
-            <a:r>
-              <a:rPr lang="en-US" dirty="0"/>
-              <a:t> extension to be configurable, as specified in the project requirements and by </a:t>
-            </a:r>
-            <a:r>
-              <a:rPr lang="en-US" dirty="0" err="1"/>
-              <a:t>MediaWiki’s</a:t>
-            </a:r>
-            <a:r>
-              <a:rPr lang="en-US" dirty="0"/>
-              <a:t> best practices.  There are presently three different places where configurations may take place in this extension.  They are in the localization or “i18n” files as </a:t>
-            </a:r>
-            <a:r>
-              <a:rPr lang="en-US" dirty="0" err="1"/>
+            <a:pPr marL="0" marR="0" lvl="0" indent="0" algn="l" defTabSz="914400" rtl="0" eaLnBrk="1" fontAlgn="auto" latinLnBrk="0" hangingPunct="1">
+              <a:lnSpc>
+                <a:spcPct val="100000"/>
+              </a:lnSpc>
+              <a:spcBef>
+                <a:spcPts val="0"/>
+              </a:spcBef>
+              <a:spcAft>
+                <a:spcPts val="0"/>
+              </a:spcAft>
+              <a:buClrTx/>
+              <a:buSzTx/>
+              <a:buFontTx/>
+              <a:buNone/>
+              <a:tabLst/>
+              <a:defRPr/>
+            </a:pPr>
+            <a:r>
+              <a:rPr lang="en-US" b="0" dirty="0"/>
+              <a:t>We have put together documentation on the basics of </a:t>
+            </a:r>
+            <a:r>
+              <a:rPr lang="en-US" b="0" dirty="0" err="1"/>
               <a:t>MediaWiki</a:t>
             </a:r>
             <a:r>
-              <a:rPr lang="en-US" dirty="0"/>
-              <a:t> calls it, the extension file, and CSS files.</a:t>
-            </a:r>
-          </a:p>
-          <a:p>
-            <a:endParaRPr lang="en-US" dirty="0"/>
-          </a:p>
-          <a:p>
-            <a:r>
-              <a:rPr lang="en-US" dirty="0"/>
-              <a:t>The localization files are used for text that is to be displayed on the website; this allows for wordings to change based on language and by admin and allows for multiple languages to use the same environment.  For our project we only have the one English file, but admins can add multiple languages if desired.  The most prominent items in this localization file are what the ranks are called (in this case “Astronaut,” “Spacewalker,” and “Moonwalker”), what the badge is called for verifying an email address, and what the badges are called, for both singular and plural (i.e. badge/badges, achievement/achievements, trophy/trophies, etc.), just to name a few.</a:t>
-            </a:r>
-          </a:p>
-          <a:p>
-            <a:endParaRPr lang="en-US" dirty="0"/>
-          </a:p>
-          <a:p>
-            <a:r>
-              <a:rPr lang="en-US" dirty="0"/>
-              <a:t>The extension file allows an admin to determine the number of ranks that are present, such as adding a 4</a:t>
-            </a:r>
-            <a:r>
-              <a:rPr lang="en-US" baseline="30000" dirty="0"/>
-              <a:t>th</a:t>
-            </a:r>
-            <a:r>
-              <a:rPr lang="en-US" dirty="0"/>
-              <a:t> Platinum badge category and it is also a place for admins to alter the rank of badges as well, empowering these admins with the ability to decide for themselves what badges should be categorized as.</a:t>
-            </a:r>
-          </a:p>
-          <a:p>
-            <a:endParaRPr lang="en-US" dirty="0"/>
-          </a:p>
-          <a:p>
-            <a:r>
-              <a:rPr lang="en-US" dirty="0"/>
-              <a:t>The CSS files are used primarily for styling, but they are also a way to display images because the HTML &lt;</a:t>
-            </a:r>
-            <a:r>
-              <a:rPr lang="en-US" dirty="0" err="1"/>
-              <a:t>img</a:t>
-            </a:r>
-            <a:r>
-              <a:rPr lang="en-US" dirty="0"/>
-              <a:t>&gt; tag is blocked by </a:t>
-            </a:r>
-            <a:r>
-              <a:rPr lang="en-US" dirty="0" err="1"/>
+              <a:rPr lang="en-US" b="0" dirty="0"/>
+              <a:t> which were the major sources of learning for our team.  With these basics documented, future teams will be able to very quickly jump into development work without having to worry about figuring out how </a:t>
+            </a:r>
+            <a:r>
+              <a:rPr lang="en-US" b="0" dirty="0" err="1"/>
               <a:t>MediaWiki</a:t>
             </a:r>
             <a:r>
-              <a:rPr lang="en-US" dirty="0"/>
-              <a:t> for security purposes.  So in the case of the User Gamification Profile page, the images in use are dynamically generated based on the rank number associated with the image and all a user has to do is just add a new image style with a new rank number to display an image.</a:t>
-            </a:r>
-          </a:p>
-          <a:p>
-            <a:endParaRPr lang="en-US" dirty="0"/>
-          </a:p>
-          <a:p>
-            <a:r>
-              <a:rPr lang="en-US" dirty="0"/>
-              <a:t>Lastly we have included a privacy policy and terms of use to be compliant with </a:t>
-            </a:r>
-            <a:r>
-              <a:rPr lang="en-US"/>
-              <a:t>best practices.</a:t>
-            </a:r>
-            <a:endParaRPr lang="en-US" dirty="0"/>
-          </a:p>
-          <a:p>
-            <a:endParaRPr lang="en-US" dirty="0"/>
-          </a:p>
-          <a:p>
-            <a:r>
-              <a:rPr lang="en-US" dirty="0"/>
-              <a:t>Script</a:t>
-            </a:r>
-          </a:p>
-          <a:p>
-            <a:pPr marL="228600" indent="-228600">
-              <a:buAutoNum type="arabicParenR"/>
-            </a:pPr>
-            <a:r>
-              <a:rPr lang="en-US" dirty="0"/>
-              <a:t>Prep work</a:t>
-            </a:r>
-          </a:p>
-          <a:p>
-            <a:pPr marL="685800" lvl="1" indent="-228600">
-              <a:buAutoNum type="arabicParenR"/>
-            </a:pPr>
-            <a:r>
-              <a:rPr lang="en-US" dirty="0"/>
-              <a:t>Open </a:t>
-            </a:r>
-            <a:r>
-              <a:rPr lang="en-US" dirty="0" err="1"/>
-              <a:t>MediaWiki</a:t>
-            </a:r>
-            <a:r>
-              <a:rPr lang="en-US" dirty="0"/>
-              <a:t> folder</a:t>
-            </a:r>
-          </a:p>
-          <a:p>
-            <a:pPr marL="228600" lvl="0" indent="-228600">
-              <a:buAutoNum type="arabicParenR"/>
-            </a:pPr>
-            <a:r>
-              <a:rPr lang="en-US" dirty="0"/>
-              <a:t>Go to i18n/</a:t>
-            </a:r>
-            <a:r>
-              <a:rPr lang="en-US" dirty="0" err="1"/>
-              <a:t>en.json</a:t>
-            </a:r>
-            <a:r>
-              <a:rPr lang="en-US" dirty="0"/>
-              <a:t> file</a:t>
-            </a:r>
-          </a:p>
-          <a:p>
-            <a:pPr marL="228600" lvl="0" indent="-228600">
-              <a:buAutoNum type="arabicParenR"/>
-            </a:pPr>
-            <a:r>
-              <a:rPr lang="en-US" dirty="0"/>
-              <a:t>Go to </a:t>
-            </a:r>
-            <a:r>
-              <a:rPr lang="en-US" dirty="0" err="1"/>
-              <a:t>extension.json</a:t>
-            </a:r>
-            <a:r>
-              <a:rPr lang="en-US" dirty="0"/>
-              <a:t> file</a:t>
-            </a:r>
-          </a:p>
-          <a:p>
-            <a:pPr marL="228600" lvl="0" indent="-228600">
-              <a:buAutoNum type="arabicParenR"/>
-            </a:pPr>
-            <a:r>
-              <a:rPr lang="en-US" dirty="0"/>
-              <a:t>Go to ext.gamification.foo.css file</a:t>
-            </a:r>
-          </a:p>
-          <a:p>
-            <a:pPr marL="228600" lvl="0" indent="-228600">
-              <a:buAutoNum type="arabicParenR"/>
-            </a:pPr>
-            <a:r>
-              <a:rPr lang="en-US" dirty="0"/>
-              <a:t>(optional) Change </a:t>
-            </a:r>
-            <a:r>
-              <a:rPr lang="en-US" dirty="0" err="1"/>
-              <a:t>extension.json</a:t>
-            </a:r>
-            <a:r>
-              <a:rPr lang="en-US" dirty="0"/>
-              <a:t> rank count to 4 from 3 and demonstrate</a:t>
-            </a:r>
-          </a:p>
-          <a:p>
-            <a:pPr marL="228600" lvl="0" indent="-228600">
-              <a:buAutoNum type="arabicParenR"/>
-            </a:pPr>
-            <a:r>
-              <a:rPr lang="en-US" dirty="0"/>
-              <a:t>(optional) Change </a:t>
-            </a:r>
-            <a:r>
-              <a:rPr lang="en-US" dirty="0" err="1"/>
-              <a:t>extension.json</a:t>
-            </a:r>
-            <a:r>
-              <a:rPr lang="en-US" dirty="0"/>
-              <a:t> email verification rank from 1 to 2 and demonstrate</a:t>
+              <a:rPr lang="en-US" b="0" dirty="0"/>
+              <a:t> extensions work, which includes Special Pages, Hooks, localization files, and more, how to interact with the database, tips on debugging, who to contact for support, and inspirational credit for the project that has been created.</a:t>
             </a:r>
           </a:p>
         </p:txBody>
@@ -2229,7 +2301,7 @@
     </p:spTree>
     <p:extLst>
       <p:ext uri="{BB962C8B-B14F-4D97-AF65-F5344CB8AC3E}">
-        <p14:creationId xmlns:p14="http://schemas.microsoft.com/office/powerpoint/2010/main" val="2176786716"/>
+        <p14:creationId xmlns:p14="http://schemas.microsoft.com/office/powerpoint/2010/main" val="1632952985"/>
       </p:ext>
     </p:extLst>
   </p:cSld>
@@ -2306,171 +2378,210 @@
             </a:r>
           </a:p>
           <a:p>
-            <a:pPr marL="0" marR="0" lvl="0" indent="0" algn="l" defTabSz="914400" rtl="0" eaLnBrk="1" fontAlgn="auto" latinLnBrk="0" hangingPunct="1">
-              <a:lnSpc>
-                <a:spcPct val="100000"/>
-              </a:lnSpc>
-              <a:spcBef>
-                <a:spcPts val="0"/>
-              </a:spcBef>
-              <a:spcAft>
-                <a:spcPts val="0"/>
-              </a:spcAft>
-              <a:buClrTx/>
-              <a:buSzTx/>
-              <a:buFontTx/>
-              <a:buNone/>
-              <a:tabLst/>
-              <a:defRPr/>
+            <a:r>
+              <a:rPr lang="en-US" dirty="0"/>
+              <a:t>We have designed this </a:t>
+            </a:r>
+            <a:r>
+              <a:rPr lang="en-US" dirty="0" err="1"/>
+              <a:t>NASA_EVA_Gamification</a:t>
+            </a:r>
+            <a:r>
+              <a:rPr lang="en-US" dirty="0"/>
+              <a:t> extension to be configurable, as specified in the project requirements and by </a:t>
+            </a:r>
+            <a:r>
+              <a:rPr lang="en-US" dirty="0" err="1"/>
+              <a:t>MediaWiki’s</a:t>
+            </a:r>
+            <a:r>
+              <a:rPr lang="en-US" dirty="0"/>
+              <a:t> best practices.  There are presently three different places where configurations may take place in this extension.  They are in the localization or “i18n” files as </a:t>
+            </a:r>
+            <a:r>
+              <a:rPr lang="en-US" dirty="0" err="1"/>
+              <a:t>MediaWiki</a:t>
+            </a:r>
+            <a:r>
+              <a:rPr lang="en-US" dirty="0"/>
+              <a:t> calls it, the extension file, and CSS files.</a:t>
+            </a:r>
+          </a:p>
+          <a:p>
+            <a:endParaRPr lang="en-US" dirty="0"/>
+          </a:p>
+          <a:p>
+            <a:r>
+              <a:rPr lang="en-US" dirty="0"/>
+              <a:t>The localization files are used for text that is to be displayed on the website; this allows for wordings to change based on language and by admin and allows for multiple languages to use the same environment.  For our project we only have the one English file, but admins can add multiple languages if desired.  The most prominent items in this localization file are what the ranks are called (in this case “Astronaut,” “Spacewalker,” and “Moonwalker”), what the badge is called for verifying an email address, and what the badges are called, for both singular and plural (i.e. badge/badges, achievement/achievements, trophy/trophies, etc.), just to name a few.</a:t>
+            </a:r>
+          </a:p>
+          <a:p>
+            <a:endParaRPr lang="en-US" dirty="0"/>
+          </a:p>
+          <a:p>
+            <a:r>
+              <a:rPr lang="en-US" dirty="0"/>
+              <a:t>The extension file allows an admin to determine the number of ranks that are present, such as adding a 4</a:t>
+            </a:r>
+            <a:r>
+              <a:rPr lang="en-US" baseline="30000" dirty="0"/>
+              <a:t>th</a:t>
+            </a:r>
+            <a:r>
+              <a:rPr lang="en-US" dirty="0"/>
+              <a:t> Platinum badge category and it is also a place for admins to alter the rank of badges as well, empowering these admins with the ability to decide for themselves what badges should be categorized as.</a:t>
+            </a:r>
+          </a:p>
+          <a:p>
+            <a:endParaRPr lang="en-US" dirty="0"/>
+          </a:p>
+          <a:p>
+            <a:r>
+              <a:rPr lang="en-US" dirty="0"/>
+              <a:t>The CSS files are used primarily for styling, but they are also a way to display images because the HTML &lt;</a:t>
+            </a:r>
+            <a:r>
+              <a:rPr lang="en-US" dirty="0" err="1"/>
+              <a:t>img</a:t>
+            </a:r>
+            <a:r>
+              <a:rPr lang="en-US" dirty="0"/>
+              <a:t>&gt; tag is blocked by </a:t>
+            </a:r>
+            <a:r>
+              <a:rPr lang="en-US" dirty="0" err="1"/>
+              <a:t>MediaWiki</a:t>
+            </a:r>
+            <a:r>
+              <a:rPr lang="en-US" dirty="0"/>
+              <a:t> for security purposes.  So in the case of the User Gamification Profile page, the images in use are dynamically generated based on the rank number associated with the image and all a user has to do is just add a new image style with a new rank number to display an image.</a:t>
+            </a:r>
+          </a:p>
+          <a:p>
+            <a:endParaRPr lang="en-US" dirty="0"/>
+          </a:p>
+          <a:p>
+            <a:r>
+              <a:rPr lang="en-US" dirty="0"/>
+              <a:t>Lastly we have included a privacy policy and terms of use to be compliant with </a:t>
+            </a:r>
+            <a:r>
+              <a:rPr lang="en-US"/>
+              <a:t>best practices.</a:t>
+            </a:r>
+            <a:endParaRPr lang="en-US" dirty="0"/>
+          </a:p>
+          <a:p>
+            <a:endParaRPr lang="en-US" dirty="0"/>
+          </a:p>
+          <a:p>
+            <a:r>
+              <a:rPr lang="en-US" dirty="0"/>
+              <a:t>Script</a:t>
+            </a:r>
+          </a:p>
+          <a:p>
+            <a:pPr marL="228600" indent="-228600">
+              <a:buAutoNum type="arabicParenR"/>
             </a:pPr>
             <a:r>
-              <a:rPr lang="en-US" b="0" dirty="0"/>
-              <a:t>We made certain decisions for our project based on time constraints and group consensus.  We wanted to call out these items to ensure that future groups think on them and consider them for their terms as well.</a:t>
-            </a:r>
-          </a:p>
-          <a:p>
-            <a:pPr marL="0" marR="0" lvl="0" indent="0" algn="l" defTabSz="914400" rtl="0" eaLnBrk="1" fontAlgn="auto" latinLnBrk="0" hangingPunct="1">
-              <a:lnSpc>
-                <a:spcPct val="100000"/>
-              </a:lnSpc>
-              <a:spcBef>
-                <a:spcPts val="0"/>
-              </a:spcBef>
-              <a:spcAft>
-                <a:spcPts val="0"/>
-              </a:spcAft>
-              <a:buClrTx/>
-              <a:buSzTx/>
-              <a:buFontTx/>
-              <a:buNone/>
-              <a:tabLst/>
-              <a:defRPr/>
+              <a:rPr lang="en-US" dirty="0"/>
+              <a:t>Prep work</a:t>
+            </a:r>
+          </a:p>
+          <a:p>
+            <a:pPr marL="685800" lvl="1" indent="-228600">
+              <a:buAutoNum type="arabicParenR"/>
             </a:pPr>
-            <a:endParaRPr lang="en-US" b="0" dirty="0"/>
-          </a:p>
-          <a:p>
-            <a:pPr marL="0" marR="0" lvl="0" indent="0" algn="l" defTabSz="914400" rtl="0" eaLnBrk="1" fontAlgn="auto" latinLnBrk="0" hangingPunct="1">
-              <a:lnSpc>
-                <a:spcPct val="100000"/>
-              </a:lnSpc>
-              <a:spcBef>
-                <a:spcPts val="0"/>
-              </a:spcBef>
-              <a:spcAft>
-                <a:spcPts val="0"/>
-              </a:spcAft>
-              <a:buClrTx/>
-              <a:buSzTx/>
-              <a:buFontTx/>
-              <a:buNone/>
-              <a:tabLst/>
-              <a:defRPr/>
+            <a:r>
+              <a:rPr lang="en-US" dirty="0"/>
+              <a:t>Open </a:t>
+            </a:r>
+            <a:r>
+              <a:rPr lang="en-US" dirty="0" err="1"/>
+              <a:t>MediaWiki</a:t>
+            </a:r>
+            <a:r>
+              <a:rPr lang="en-US" dirty="0"/>
+              <a:t> folder</a:t>
+            </a:r>
+          </a:p>
+          <a:p>
+            <a:pPr marL="228600" lvl="0" indent="-228600">
+              <a:buAutoNum type="arabicParenR"/>
             </a:pPr>
             <a:r>
-              <a:rPr lang="en-US" b="0" dirty="0"/>
-              <a:t>The first decision that we made was to not use dates when installing the NASA EVA Gamification extension.  The purpose of this was mainly because there may not always be circumstances where the dates of when badges would be earned would be easily be retrieved or if they are even retrievable.  This would create an inconsistency and employing a default date of when the extension was installed would be meaningless.</a:t>
-            </a:r>
-          </a:p>
-          <a:p>
-            <a:pPr marL="0" marR="0" lvl="0" indent="0" algn="l" defTabSz="914400" rtl="0" eaLnBrk="1" fontAlgn="auto" latinLnBrk="0" hangingPunct="1">
-              <a:lnSpc>
-                <a:spcPct val="100000"/>
-              </a:lnSpc>
-              <a:spcBef>
-                <a:spcPts val="0"/>
-              </a:spcBef>
-              <a:spcAft>
-                <a:spcPts val="0"/>
-              </a:spcAft>
-              <a:buClrTx/>
-              <a:buSzTx/>
-              <a:buFontTx/>
-              <a:buNone/>
-              <a:tabLst/>
-              <a:defRPr/>
+              <a:rPr lang="en-US" dirty="0"/>
+              <a:t>Go to i18n/</a:t>
+            </a:r>
+            <a:r>
+              <a:rPr lang="en-US" dirty="0" err="1"/>
+              <a:t>en.json</a:t>
+            </a:r>
+            <a:r>
+              <a:rPr lang="en-US" dirty="0"/>
+              <a:t> file</a:t>
+            </a:r>
+          </a:p>
+          <a:p>
+            <a:pPr marL="228600" lvl="0" indent="-228600">
+              <a:buAutoNum type="arabicParenR"/>
             </a:pPr>
-            <a:endParaRPr lang="en-US" b="0" dirty="0"/>
-          </a:p>
-          <a:p>
-            <a:pPr marL="0" marR="0" lvl="0" indent="0" algn="l" defTabSz="914400" rtl="0" eaLnBrk="1" fontAlgn="auto" latinLnBrk="0" hangingPunct="1">
-              <a:lnSpc>
-                <a:spcPct val="100000"/>
-              </a:lnSpc>
-              <a:spcBef>
-                <a:spcPts val="0"/>
-              </a:spcBef>
-              <a:spcAft>
-                <a:spcPts val="0"/>
-              </a:spcAft>
-              <a:buClrTx/>
-              <a:buSzTx/>
-              <a:buFontTx/>
-              <a:buNone/>
-              <a:tabLst/>
-              <a:defRPr/>
+            <a:r>
+              <a:rPr lang="en-US" dirty="0"/>
+              <a:t>Go to </a:t>
+            </a:r>
+            <a:r>
+              <a:rPr lang="en-US" dirty="0" err="1"/>
+              <a:t>extension.json</a:t>
+            </a:r>
+            <a:r>
+              <a:rPr lang="en-US" dirty="0"/>
+              <a:t> file</a:t>
+            </a:r>
+          </a:p>
+          <a:p>
+            <a:pPr marL="228600" lvl="0" indent="-228600">
+              <a:buAutoNum type="arabicParenR"/>
             </a:pPr>
             <a:r>
-              <a:rPr lang="en-US" b="0" dirty="0"/>
-              <a:t>The second decision that we made was to avoid using foreign key constraints and indexes to be consistent with </a:t>
-            </a:r>
-            <a:r>
-              <a:rPr lang="en-US" b="0" dirty="0" err="1"/>
-              <a:t>MediaWiki’s</a:t>
-            </a:r>
-            <a:r>
-              <a:rPr lang="en-US" b="0" dirty="0"/>
-              <a:t> standard practices and based on out of the box </a:t>
-            </a:r>
-            <a:r>
-              <a:rPr lang="en-US" b="0" dirty="0" err="1"/>
-              <a:t>MediaWiki</a:t>
-            </a:r>
-            <a:r>
-              <a:rPr lang="en-US" b="0" dirty="0"/>
-              <a:t> database table configurations.  The implementation of indexes and foreign keys can be investigated by future teams for optimization.</a:t>
-            </a:r>
-          </a:p>
-          <a:p>
-            <a:pPr marL="0" marR="0" lvl="0" indent="0" algn="l" defTabSz="914400" rtl="0" eaLnBrk="1" fontAlgn="auto" latinLnBrk="0" hangingPunct="1">
-              <a:lnSpc>
-                <a:spcPct val="100000"/>
-              </a:lnSpc>
-              <a:spcBef>
-                <a:spcPts val="0"/>
-              </a:spcBef>
-              <a:spcAft>
-                <a:spcPts val="0"/>
-              </a:spcAft>
-              <a:buClrTx/>
-              <a:buSzTx/>
-              <a:buFontTx/>
-              <a:buNone/>
-              <a:tabLst/>
-              <a:defRPr/>
+              <a:rPr lang="en-US" dirty="0"/>
+              <a:t>Go to ext.gamification.foo.css file</a:t>
+            </a:r>
+          </a:p>
+          <a:p>
+            <a:pPr marL="228600" lvl="0" indent="-228600">
+              <a:buAutoNum type="arabicParenR"/>
             </a:pPr>
-            <a:endParaRPr lang="en-US" b="0" dirty="0"/>
-          </a:p>
-          <a:p>
-            <a:pPr marL="0" marR="0" lvl="0" indent="0" algn="l" defTabSz="914400" rtl="0" eaLnBrk="1" fontAlgn="auto" latinLnBrk="0" hangingPunct="1">
-              <a:lnSpc>
-                <a:spcPct val="100000"/>
-              </a:lnSpc>
-              <a:spcBef>
-                <a:spcPts val="0"/>
-              </a:spcBef>
-              <a:spcAft>
-                <a:spcPts val="0"/>
-              </a:spcAft>
-              <a:buClrTx/>
-              <a:buSzTx/>
-              <a:buFontTx/>
-              <a:buNone/>
-              <a:tabLst/>
-              <a:defRPr/>
+            <a:r>
+              <a:rPr lang="en-US" dirty="0"/>
+              <a:t>(optional) Change </a:t>
+            </a:r>
+            <a:r>
+              <a:rPr lang="en-US" dirty="0" err="1"/>
+              <a:t>extension.json</a:t>
+            </a:r>
+            <a:r>
+              <a:rPr lang="en-US" dirty="0"/>
+              <a:t> rank count to 4 from 3 and demonstrate</a:t>
+            </a:r>
+          </a:p>
+          <a:p>
+            <a:pPr marL="228600" lvl="0" indent="-228600">
+              <a:buAutoNum type="arabicParenR"/>
             </a:pPr>
             <a:r>
-              <a:rPr lang="en-US" b="0" dirty="0"/>
-              <a:t>Lastly, the team came together to use NASA-themed key words for the NASA EVA Gamification extension, but it is recommended that the final version of the extension come with generic names for badges to reach a wider audience.</a:t>
+              <a:rPr lang="en-US" dirty="0"/>
+              <a:t>(optional) Change </a:t>
+            </a:r>
+            <a:r>
+              <a:rPr lang="en-US" dirty="0" err="1"/>
+              <a:t>extension.json</a:t>
+            </a:r>
+            <a:r>
+              <a:rPr lang="en-US" dirty="0"/>
+              <a:t> email verification rank from 1 to 2 and demonstrate</a:t>
             </a:r>
           </a:p>
         </p:txBody>
@@ -2501,7 +2612,7 @@
     </p:spTree>
     <p:extLst>
       <p:ext uri="{BB962C8B-B14F-4D97-AF65-F5344CB8AC3E}">
-        <p14:creationId xmlns:p14="http://schemas.microsoft.com/office/powerpoint/2010/main" val="1183343067"/>
+        <p14:creationId xmlns:p14="http://schemas.microsoft.com/office/powerpoint/2010/main" val="2176786716"/>
       </p:ext>
     </p:extLst>
   </p:cSld>
@@ -6237,6 +6348,116 @@
           <p:cNvPr id="2" name="Title 1">
             <a:extLst>
               <a:ext uri="{FF2B5EF4-FFF2-40B4-BE49-F238E27FC236}">
+                <a16:creationId xmlns:a16="http://schemas.microsoft.com/office/drawing/2014/main" id="{5F18CD72-6762-4FA5-A543-090FC8AD09C3}"/>
+              </a:ext>
+            </a:extLst>
+          </p:cNvPr>
+          <p:cNvSpPr>
+            <a:spLocks noGrp="1"/>
+          </p:cNvSpPr>
+          <p:nvPr>
+            <p:ph type="title"/>
+          </p:nvPr>
+        </p:nvSpPr>
+        <p:spPr/>
+        <p:txBody>
+          <a:bodyPr/>
+          <a:lstStyle/>
+          <a:p>
+            <a:r>
+              <a:rPr lang="en-US" dirty="0"/>
+              <a:t>Future Recommendations</a:t>
+            </a:r>
+          </a:p>
+        </p:txBody>
+      </p:sp>
+      <p:sp>
+        <p:nvSpPr>
+          <p:cNvPr id="3" name="Content Placeholder 2">
+            <a:extLst>
+              <a:ext uri="{FF2B5EF4-FFF2-40B4-BE49-F238E27FC236}">
+                <a16:creationId xmlns:a16="http://schemas.microsoft.com/office/drawing/2014/main" id="{390F246D-BE79-4DFD-892D-E08873BCB1F6}"/>
+              </a:ext>
+            </a:extLst>
+          </p:cNvPr>
+          <p:cNvSpPr>
+            <a:spLocks noGrp="1"/>
+          </p:cNvSpPr>
+          <p:nvPr>
+            <p:ph idx="1"/>
+          </p:nvPr>
+        </p:nvSpPr>
+        <p:spPr/>
+        <p:txBody>
+          <a:bodyPr/>
+          <a:lstStyle/>
+          <a:p>
+            <a:r>
+              <a:rPr lang="en-US" dirty="0"/>
+              <a:t>Historical Date Earned for Badges</a:t>
+            </a:r>
+          </a:p>
+          <a:p>
+            <a:r>
+              <a:rPr lang="en-US" dirty="0"/>
+              <a:t>SQL Code Improvements</a:t>
+            </a:r>
+          </a:p>
+          <a:p>
+            <a:r>
+              <a:rPr lang="en-US" dirty="0"/>
+              <a:t>Generic Names for Badges</a:t>
+            </a:r>
+          </a:p>
+        </p:txBody>
+      </p:sp>
+    </p:spTree>
+    <p:extLst>
+      <p:ext uri="{BB962C8B-B14F-4D97-AF65-F5344CB8AC3E}">
+        <p14:creationId xmlns:p14="http://schemas.microsoft.com/office/powerpoint/2010/main" val="610429518"/>
+      </p:ext>
+    </p:extLst>
+  </p:cSld>
+  <p:clrMapOvr>
+    <a:masterClrMapping/>
+  </p:clrMapOvr>
+  <mc:AlternateContent xmlns:mc="http://schemas.openxmlformats.org/markup-compatibility/2006" xmlns:p14="http://schemas.microsoft.com/office/powerpoint/2010/main">
+    <mc:Choice Requires="p14">
+      <p:transition spd="med" p14:dur="700">
+        <p:fade/>
+      </p:transition>
+    </mc:Choice>
+    <mc:Fallback xmlns="">
+      <p:transition spd="med">
+        <p:fade/>
+      </p:transition>
+    </mc:Fallback>
+  </mc:AlternateContent>
+</p:sld>
+</file>
+
+<file path=ppt/slides/slide11.xml><?xml version="1.0" encoding="utf-8"?>
+<p:sld xmlns:a="http://schemas.openxmlformats.org/drawingml/2006/main" xmlns:r="http://schemas.openxmlformats.org/officeDocument/2006/relationships" xmlns:p="http://schemas.openxmlformats.org/presentationml/2006/main">
+  <p:cSld>
+    <p:spTree>
+      <p:nvGrpSpPr>
+        <p:cNvPr id="1" name=""/>
+        <p:cNvGrpSpPr/>
+        <p:nvPr/>
+      </p:nvGrpSpPr>
+      <p:grpSpPr>
+        <a:xfrm>
+          <a:off x="0" y="0"/>
+          <a:ext cx="0" cy="0"/>
+          <a:chOff x="0" y="0"/>
+          <a:chExt cx="0" cy="0"/>
+        </a:xfrm>
+      </p:grpSpPr>
+      <p:sp>
+        <p:nvSpPr>
+          <p:cNvPr id="2" name="Title 1">
+            <a:extLst>
+              <a:ext uri="{FF2B5EF4-FFF2-40B4-BE49-F238E27FC236}">
                 <a16:creationId xmlns:a16="http://schemas.microsoft.com/office/drawing/2014/main" id="{810F0252-706A-4248-93B1-71B74C270E9E}"/>
               </a:ext>
             </a:extLst>
@@ -6768,7 +6989,7 @@
           <p:cNvPr id="2" name="Title 1">
             <a:extLst>
               <a:ext uri="{FF2B5EF4-FFF2-40B4-BE49-F238E27FC236}">
-                <a16:creationId xmlns:a16="http://schemas.microsoft.com/office/drawing/2014/main" id="{5F18CD72-6762-4FA5-A543-090FC8AD09C3}"/>
+                <a16:creationId xmlns:a16="http://schemas.microsoft.com/office/drawing/2014/main" id="{B83A37F9-DEC7-4F18-84BB-DA8BBD1C189E}"/>
               </a:ext>
             </a:extLst>
           </p:cNvPr>
@@ -6786,7 +7007,7 @@
           <a:p>
             <a:r>
               <a:rPr lang="en-US" dirty="0"/>
-              <a:t>Handover Documentation</a:t>
+              <a:t>Project Deliverables</a:t>
             </a:r>
           </a:p>
         </p:txBody>
@@ -6796,7 +7017,7 @@
           <p:cNvPr id="3" name="Content Placeholder 2">
             <a:extLst>
               <a:ext uri="{FF2B5EF4-FFF2-40B4-BE49-F238E27FC236}">
-                <a16:creationId xmlns:a16="http://schemas.microsoft.com/office/drawing/2014/main" id="{390F246D-BE79-4DFD-892D-E08873BCB1F6}"/>
+                <a16:creationId xmlns:a16="http://schemas.microsoft.com/office/drawing/2014/main" id="{2FC15141-2B3D-4B4F-BA45-9BE5B75B69B1}"/>
               </a:ext>
             </a:extLst>
           </p:cNvPr>
@@ -6813,44 +7034,21 @@
           <a:lstStyle/>
           <a:p>
             <a:r>
-              <a:rPr lang="en-US" dirty="0" err="1"/>
-              <a:t>MediaWiki</a:t>
-            </a:r>
-            <a:r>
-              <a:rPr lang="en-US" dirty="0"/>
-              <a:t> Install (CentOS)</a:t>
-            </a:r>
-          </a:p>
-          <a:p>
-            <a:r>
-              <a:rPr lang="en-US" dirty="0" err="1"/>
-              <a:t>MediaWiki</a:t>
-            </a:r>
-            <a:r>
-              <a:rPr lang="en-US" dirty="0"/>
-              <a:t> Install (Windows)</a:t>
-            </a:r>
-          </a:p>
-          <a:p>
-            <a:r>
-              <a:rPr lang="en-US" dirty="0" err="1"/>
-              <a:t>MediaWiki</a:t>
-            </a:r>
-            <a:r>
-              <a:rPr lang="en-US" dirty="0"/>
-              <a:t> Basics</a:t>
-            </a:r>
-          </a:p>
-          <a:p>
-            <a:r>
-              <a:rPr lang="en-US" dirty="0"/>
-              <a:t>Configuration and Privacy Information</a:t>
-            </a:r>
-          </a:p>
-          <a:p>
-            <a:r>
-              <a:rPr lang="en-US" dirty="0"/>
-              <a:t>Future Recommendations</a:t>
+              <a:rPr lang="en-US" dirty="0"/>
+              <a:t>Project Code</a:t>
+            </a:r>
+          </a:p>
+          <a:p>
+            <a:r>
+              <a:rPr lang="en-US" dirty="0"/>
+              <a:t>Documentation</a:t>
+            </a:r>
+          </a:p>
+          <a:p>
+            <a:pPr lvl="1"/>
+            <a:r>
+              <a:rPr lang="en-US" dirty="0"/>
+              <a:t>Handover Documentation</a:t>
             </a:r>
           </a:p>
         </p:txBody>
@@ -6858,7 +7056,7 @@
     </p:spTree>
     <p:extLst>
       <p:ext uri="{BB962C8B-B14F-4D97-AF65-F5344CB8AC3E}">
-        <p14:creationId xmlns:p14="http://schemas.microsoft.com/office/powerpoint/2010/main" val="1754081029"/>
+        <p14:creationId xmlns:p14="http://schemas.microsoft.com/office/powerpoint/2010/main" val="3018927673"/>
       </p:ext>
     </p:extLst>
   </p:cSld>
@@ -6919,12 +7117,8 @@
           <a:lstStyle/>
           <a:p>
             <a:r>
-              <a:rPr lang="en-US" dirty="0" err="1"/>
-              <a:t>MediaWiki</a:t>
-            </a:r>
-            <a:r>
-              <a:rPr lang="en-US" dirty="0"/>
-              <a:t> Install</a:t>
+              <a:rPr lang="en-US" dirty="0"/>
+              <a:t>Handover Documentation</a:t>
             </a:r>
           </a:p>
         </p:txBody>
@@ -6951,21 +7145,44 @@
           <a:lstStyle/>
           <a:p>
             <a:r>
-              <a:rPr lang="en-US" dirty="0"/>
-              <a:t>CentOS</a:t>
-            </a:r>
-          </a:p>
-          <a:p>
-            <a:pPr lvl="1"/>
-            <a:r>
-              <a:rPr lang="en-US" dirty="0"/>
-              <a:t>Meza</a:t>
-            </a:r>
-          </a:p>
-          <a:p>
-            <a:r>
-              <a:rPr lang="en-US" dirty="0"/>
-              <a:t>Windows</a:t>
+              <a:rPr lang="en-US" dirty="0" err="1"/>
+              <a:t>MediaWiki</a:t>
+            </a:r>
+            <a:r>
+              <a:rPr lang="en-US" dirty="0"/>
+              <a:t> Install (CentOS)</a:t>
+            </a:r>
+          </a:p>
+          <a:p>
+            <a:r>
+              <a:rPr lang="en-US" dirty="0" err="1"/>
+              <a:t>MediaWiki</a:t>
+            </a:r>
+            <a:r>
+              <a:rPr lang="en-US" dirty="0"/>
+              <a:t> Install (Windows)</a:t>
+            </a:r>
+          </a:p>
+          <a:p>
+            <a:r>
+              <a:rPr lang="en-US" dirty="0" err="1"/>
+              <a:t>MediaWiki</a:t>
+            </a:r>
+            <a:r>
+              <a:rPr lang="en-US" dirty="0"/>
+              <a:t> Basics</a:t>
+            </a:r>
+          </a:p>
+          <a:p>
+            <a:r>
+              <a:rPr lang="en-US" dirty="0"/>
+              <a:t>Configuration and Privacy Information</a:t>
+            </a:r>
+          </a:p>
+          <a:p>
+            <a:r>
+              <a:rPr lang="en-US" dirty="0"/>
+              <a:t>Future Recommendations</a:t>
             </a:r>
           </a:p>
         </p:txBody>
@@ -6973,7 +7190,7 @@
     </p:spTree>
     <p:extLst>
       <p:ext uri="{BB962C8B-B14F-4D97-AF65-F5344CB8AC3E}">
-        <p14:creationId xmlns:p14="http://schemas.microsoft.com/office/powerpoint/2010/main" val="568279633"/>
+        <p14:creationId xmlns:p14="http://schemas.microsoft.com/office/powerpoint/2010/main" val="1754081029"/>
       </p:ext>
     </p:extLst>
   </p:cSld>
@@ -7039,7 +7256,7 @@
             </a:r>
             <a:r>
               <a:rPr lang="en-US" dirty="0"/>
-              <a:t> Basics</a:t>
+              <a:t> Install</a:t>
             </a:r>
           </a:p>
         </p:txBody>
@@ -7067,31 +7284,20 @@
           <a:p>
             <a:r>
               <a:rPr lang="en-US" dirty="0"/>
-              <a:t>Extensions</a:t>
-            </a:r>
-          </a:p>
-          <a:p>
-            <a:r>
-              <a:rPr lang="en-US" dirty="0"/>
-              <a:t>Database Interaction</a:t>
-            </a:r>
-          </a:p>
-          <a:p>
-            <a:r>
-              <a:rPr lang="en-US" dirty="0"/>
-              <a:t>Debugging Tips</a:t>
-            </a:r>
-          </a:p>
-          <a:p>
-            <a:r>
-              <a:rPr lang="en-US" dirty="0"/>
-              <a:t>Support and Contact Information</a:t>
-            </a:r>
-          </a:p>
-          <a:p>
-            <a:r>
-              <a:rPr lang="en-US" dirty="0"/>
-              <a:t>Inspiration Credit</a:t>
+              <a:t>CentOS</a:t>
+            </a:r>
+          </a:p>
+          <a:p>
+            <a:pPr lvl="1"/>
+            <a:r>
+              <a:rPr lang="en-US" dirty="0"/>
+              <a:t>Meza</a:t>
+            </a:r>
+          </a:p>
+          <a:p>
+            <a:r>
+              <a:rPr lang="en-US" dirty="0"/>
+              <a:t>Windows</a:t>
             </a:r>
           </a:p>
         </p:txBody>
@@ -7099,7 +7305,7 @@
     </p:spTree>
     <p:extLst>
       <p:ext uri="{BB962C8B-B14F-4D97-AF65-F5344CB8AC3E}">
-        <p14:creationId xmlns:p14="http://schemas.microsoft.com/office/powerpoint/2010/main" val="1108718051"/>
+        <p14:creationId xmlns:p14="http://schemas.microsoft.com/office/powerpoint/2010/main" val="568279633"/>
       </p:ext>
     </p:extLst>
   </p:cSld>
@@ -7156,14 +7362,16 @@
         </p:nvSpPr>
         <p:spPr/>
         <p:txBody>
-          <a:bodyPr>
-            <a:normAutofit fontScale="90000"/>
-          </a:bodyPr>
-          <a:lstStyle/>
-          <a:p>
-            <a:r>
-              <a:rPr lang="en-US" dirty="0"/>
-              <a:t>Configuration and Privacy Information</a:t>
+          <a:bodyPr/>
+          <a:lstStyle/>
+          <a:p>
+            <a:r>
+              <a:rPr lang="en-US" dirty="0" err="1"/>
+              <a:t>MediaWiki</a:t>
+            </a:r>
+            <a:r>
+              <a:rPr lang="en-US" dirty="0"/>
+              <a:t> Basics</a:t>
             </a:r>
           </a:p>
         </p:txBody>
@@ -7191,59 +7399,31 @@
           <a:p>
             <a:r>
               <a:rPr lang="en-US" dirty="0"/>
-              <a:t>Localization (“i18n”) files</a:t>
-            </a:r>
-          </a:p>
-          <a:p>
-            <a:pPr lvl="1"/>
-            <a:r>
-              <a:rPr lang="en-US" dirty="0"/>
-              <a:t>Wording based on language (English, French, etc.)</a:t>
-            </a:r>
-          </a:p>
-          <a:p>
-            <a:r>
-              <a:rPr lang="en-US" dirty="0"/>
-              <a:t>Extension file</a:t>
-            </a:r>
-          </a:p>
-          <a:p>
-            <a:pPr lvl="1"/>
-            <a:r>
-              <a:rPr lang="en-US" dirty="0"/>
-              <a:t>Number of ranks</a:t>
-            </a:r>
-          </a:p>
-          <a:p>
-            <a:pPr lvl="1"/>
-            <a:r>
-              <a:rPr lang="en-US" dirty="0"/>
-              <a:t>What ranks badges are worth</a:t>
-            </a:r>
-          </a:p>
-          <a:p>
-            <a:r>
-              <a:rPr lang="en-US" dirty="0"/>
-              <a:t>CSS files</a:t>
-            </a:r>
-          </a:p>
-          <a:p>
-            <a:pPr lvl="1"/>
-            <a:r>
-              <a:rPr lang="en-US" dirty="0"/>
-              <a:t>Image displays</a:t>
-            </a:r>
-          </a:p>
-          <a:p>
-            <a:r>
-              <a:rPr lang="en-US" dirty="0"/>
-              <a:t>Privacy Policy</a:t>
-            </a:r>
-          </a:p>
-          <a:p>
-            <a:r>
-              <a:rPr lang="en-US" dirty="0"/>
-              <a:t>Terms of Use</a:t>
+              <a:t>Extensions</a:t>
+            </a:r>
+          </a:p>
+          <a:p>
+            <a:r>
+              <a:rPr lang="en-US" dirty="0"/>
+              <a:t>Database Interaction</a:t>
+            </a:r>
+          </a:p>
+          <a:p>
+            <a:r>
+              <a:rPr lang="en-US" dirty="0"/>
+              <a:t>Debugging Tips</a:t>
+            </a:r>
+          </a:p>
+          <a:p>
+            <a:r>
+              <a:rPr lang="en-US" dirty="0"/>
+              <a:t>Support and Contact Information</a:t>
+            </a:r>
+          </a:p>
+          <a:p>
+            <a:r>
+              <a:rPr lang="en-US" dirty="0"/>
+              <a:t>Inspiration Credit</a:t>
             </a:r>
           </a:p>
         </p:txBody>
@@ -7251,7 +7431,7 @@
     </p:spTree>
     <p:extLst>
       <p:ext uri="{BB962C8B-B14F-4D97-AF65-F5344CB8AC3E}">
-        <p14:creationId xmlns:p14="http://schemas.microsoft.com/office/powerpoint/2010/main" val="1519631199"/>
+        <p14:creationId xmlns:p14="http://schemas.microsoft.com/office/powerpoint/2010/main" val="1108718051"/>
       </p:ext>
     </p:extLst>
   </p:cSld>
@@ -7308,12 +7488,14 @@
         </p:nvSpPr>
         <p:spPr/>
         <p:txBody>
-          <a:bodyPr/>
-          <a:lstStyle/>
-          <a:p>
-            <a:r>
-              <a:rPr lang="en-US" dirty="0"/>
-              <a:t>Future Recommendations</a:t>
+          <a:bodyPr>
+            <a:normAutofit fontScale="90000"/>
+          </a:bodyPr>
+          <a:lstStyle/>
+          <a:p>
+            <a:r>
+              <a:rPr lang="en-US" dirty="0"/>
+              <a:t>Configuration and Privacy Information</a:t>
             </a:r>
           </a:p>
         </p:txBody>
@@ -7341,19 +7523,59 @@
           <a:p>
             <a:r>
               <a:rPr lang="en-US" dirty="0"/>
-              <a:t>Historical Date Earned for Badges</a:t>
-            </a:r>
-          </a:p>
-          <a:p>
-            <a:r>
-              <a:rPr lang="en-US" dirty="0"/>
-              <a:t>SQL Code Improvements</a:t>
-            </a:r>
-          </a:p>
-          <a:p>
-            <a:r>
-              <a:rPr lang="en-US" dirty="0"/>
-              <a:t>Generic Names for Badges</a:t>
+              <a:t>Localization (“i18n”) files</a:t>
+            </a:r>
+          </a:p>
+          <a:p>
+            <a:pPr lvl="1"/>
+            <a:r>
+              <a:rPr lang="en-US" dirty="0"/>
+              <a:t>Wording based on language (English, French, etc.)</a:t>
+            </a:r>
+          </a:p>
+          <a:p>
+            <a:r>
+              <a:rPr lang="en-US" dirty="0"/>
+              <a:t>Extension file</a:t>
+            </a:r>
+          </a:p>
+          <a:p>
+            <a:pPr lvl="1"/>
+            <a:r>
+              <a:rPr lang="en-US" dirty="0"/>
+              <a:t>Number of ranks</a:t>
+            </a:r>
+          </a:p>
+          <a:p>
+            <a:pPr lvl="1"/>
+            <a:r>
+              <a:rPr lang="en-US" dirty="0"/>
+              <a:t>What ranks badges are worth</a:t>
+            </a:r>
+          </a:p>
+          <a:p>
+            <a:r>
+              <a:rPr lang="en-US" dirty="0"/>
+              <a:t>CSS files</a:t>
+            </a:r>
+          </a:p>
+          <a:p>
+            <a:pPr lvl="1"/>
+            <a:r>
+              <a:rPr lang="en-US" dirty="0"/>
+              <a:t>Image displays</a:t>
+            </a:r>
+          </a:p>
+          <a:p>
+            <a:r>
+              <a:rPr lang="en-US" dirty="0"/>
+              <a:t>Privacy Policy</a:t>
+            </a:r>
+          </a:p>
+          <a:p>
+            <a:r>
+              <a:rPr lang="en-US" dirty="0"/>
+              <a:t>Terms of Use</a:t>
             </a:r>
           </a:p>
         </p:txBody>
@@ -7361,7 +7583,7 @@
     </p:spTree>
     <p:extLst>
       <p:ext uri="{BB962C8B-B14F-4D97-AF65-F5344CB8AC3E}">
-        <p14:creationId xmlns:p14="http://schemas.microsoft.com/office/powerpoint/2010/main" val="610429518"/>
+        <p14:creationId xmlns:p14="http://schemas.microsoft.com/office/powerpoint/2010/main" val="1519631199"/>
       </p:ext>
     </p:extLst>
   </p:cSld>
@@ -8292,6 +8514,26 @@
 </file>
 
 <file path=customXml/item1.xml><?xml version="1.0" encoding="utf-8"?>
+<p:properties xmlns:p="http://schemas.microsoft.com/office/2006/metadata/properties" xmlns:xsi="http://www.w3.org/2001/XMLSchema-instance" xmlns:pc="http://schemas.microsoft.com/office/infopath/2007/PartnerControls">
+  <documentManagement>
+    <VSO_x0020_item_x0020_id xmlns="40262f94-9f35-4ac3-9a90-690165a166b7" xsi:nil="true"/>
+    <Assetid_x0020_ xmlns="40262f94-9f35-4ac3-9a90-690165a166b7" xsi:nil="true"/>
+    <Item_x0020_Details xmlns="40262f94-9f35-4ac3-9a90-690165a166b7" xsi:nil="true"/>
+    <Template_x0020_details xmlns="40262f94-9f35-4ac3-9a90-690165a166b7" xsi:nil="true"/>
+  </documentManagement>
+</p:properties>
+</file>
+
+<file path=customXml/item2.xml><?xml version="1.0" encoding="utf-8"?>
+<?mso-contentType ?>
+<FormTemplates xmlns="http://schemas.microsoft.com/sharepoint/v3/contenttype/forms">
+  <Display>DocumentLibraryForm</Display>
+  <Edit>DocumentLibraryForm</Edit>
+  <New>DocumentLibraryForm</New>
+</FormTemplates>
+</file>
+
+<file path=customXml/item3.xml><?xml version="1.0" encoding="utf-8"?>
 <ct:contentTypeSchema xmlns:ct="http://schemas.microsoft.com/office/2006/metadata/contentType" xmlns:ma="http://schemas.microsoft.com/office/2006/metadata/properties/metaAttributes" ct:_="" ma:_="" ma:contentTypeName="Document" ma:contentTypeID="0x010100AA3F7D94069FF64A86F7DFF56D60E3BE" ma:contentTypeVersion="6" ma:contentTypeDescription="Create a new document." ma:contentTypeScope="" ma:versionID="c32302c77d4085ecf495bdddb7f5e889">
   <xsd:schema xmlns:xsd="http://www.w3.org/2001/XMLSchema" xmlns:xs="http://www.w3.org/2001/XMLSchema" xmlns:p="http://schemas.microsoft.com/office/2006/metadata/properties" xmlns:ns2="a4f35948-e619-41b3-aa29-22878b09cfd2" xmlns:ns3="40262f94-9f35-4ac3-9a90-690165a166b7" targetNamespace="http://schemas.microsoft.com/office/2006/metadata/properties" ma:root="true" ma:fieldsID="4ab5ae46be95f9d0be6107e8200be7a2" ns2:_="" ns3:_="">
     <xsd:import namespace="a4f35948-e619-41b3-aa29-22878b09cfd2"/>
@@ -8472,27 +8714,32 @@
 </ct:contentTypeSchema>
 </file>
 
-<file path=customXml/item2.xml><?xml version="1.0" encoding="utf-8"?>
-<?mso-contentType ?>
-<FormTemplates xmlns="http://schemas.microsoft.com/sharepoint/v3/contenttype/forms">
-  <Display>DocumentLibraryForm</Display>
-  <Edit>DocumentLibraryForm</Edit>
-  <New>DocumentLibraryForm</New>
-</FormTemplates>
+<file path=customXml/itemProps1.xml><?xml version="1.0" encoding="utf-8"?>
+<ds:datastoreItem xmlns:ds="http://schemas.openxmlformats.org/officeDocument/2006/customXml" ds:itemID="{DEDD01B8-816B-49B7-8C81-03AB51D87C54}">
+  <ds:schemaRefs>
+    <ds:schemaRef ds:uri="http://schemas.microsoft.com/office/2006/documentManagement/types"/>
+    <ds:schemaRef ds:uri="http://purl.org/dc/terms/"/>
+    <ds:schemaRef ds:uri="http://schemas.openxmlformats.org/package/2006/metadata/core-properties"/>
+    <ds:schemaRef ds:uri="http://purl.org/dc/dcmitype/"/>
+    <ds:schemaRef ds:uri="http://schemas.microsoft.com/office/infopath/2007/PartnerControls"/>
+    <ds:schemaRef ds:uri="http://purl.org/dc/elements/1.1/"/>
+    <ds:schemaRef ds:uri="http://schemas.microsoft.com/office/2006/metadata/properties"/>
+    <ds:schemaRef ds:uri="40262f94-9f35-4ac3-9a90-690165a166b7"/>
+    <ds:schemaRef ds:uri="a4f35948-e619-41b3-aa29-22878b09cfd2"/>
+    <ds:schemaRef ds:uri="http://www.w3.org/XML/1998/namespace"/>
+  </ds:schemaRefs>
+</ds:datastoreItem>
 </file>
 
-<file path=customXml/item3.xml><?xml version="1.0" encoding="utf-8"?>
-<p:properties xmlns:p="http://schemas.microsoft.com/office/2006/metadata/properties" xmlns:xsi="http://www.w3.org/2001/XMLSchema-instance" xmlns:pc="http://schemas.microsoft.com/office/infopath/2007/PartnerControls">
-  <documentManagement>
-    <VSO_x0020_item_x0020_id xmlns="40262f94-9f35-4ac3-9a90-690165a166b7" xsi:nil="true"/>
-    <Assetid_x0020_ xmlns="40262f94-9f35-4ac3-9a90-690165a166b7" xsi:nil="true"/>
-    <Item_x0020_Details xmlns="40262f94-9f35-4ac3-9a90-690165a166b7" xsi:nil="true"/>
-    <Template_x0020_details xmlns="40262f94-9f35-4ac3-9a90-690165a166b7" xsi:nil="true"/>
-  </documentManagement>
-</p:properties>
+<file path=customXml/itemProps2.xml><?xml version="1.0" encoding="utf-8"?>
+<ds:datastoreItem xmlns:ds="http://schemas.openxmlformats.org/officeDocument/2006/customXml" ds:itemID="{B024FD56-CE1B-42FC-9E83-BFBF160724C6}">
+  <ds:schemaRefs>
+    <ds:schemaRef ds:uri="http://schemas.microsoft.com/sharepoint/v3/contenttype/forms"/>
+  </ds:schemaRefs>
+</ds:datastoreItem>
 </file>
 
-<file path=customXml/itemProps1.xml><?xml version="1.0" encoding="utf-8"?>
+<file path=customXml/itemProps3.xml><?xml version="1.0" encoding="utf-8"?>
 <ds:datastoreItem xmlns:ds="http://schemas.openxmlformats.org/officeDocument/2006/customXml" ds:itemID="{6253D857-4181-4777-8893-6E45A690F9F7}">
   <ds:schemaRefs>
     <ds:schemaRef ds:uri="http://schemas.microsoft.com/office/2006/metadata/contentType"/>
@@ -8509,29 +8756,4 @@
     <ds:schemaRef ds:uri="http://schemas.microsoft.com/internal/obd"/>
   </ds:schemaRefs>
 </ds:datastoreItem>
-</file>
-
-<file path=customXml/itemProps2.xml><?xml version="1.0" encoding="utf-8"?>
-<ds:datastoreItem xmlns:ds="http://schemas.openxmlformats.org/officeDocument/2006/customXml" ds:itemID="{B024FD56-CE1B-42FC-9E83-BFBF160724C6}">
-  <ds:schemaRefs>
-    <ds:schemaRef ds:uri="http://schemas.microsoft.com/sharepoint/v3/contenttype/forms"/>
-  </ds:schemaRefs>
-</ds:datastoreItem>
-</file>
-
-<file path=customXml/itemProps3.xml><?xml version="1.0" encoding="utf-8"?>
-<ds:datastoreItem xmlns:ds="http://schemas.openxmlformats.org/officeDocument/2006/customXml" ds:itemID="{DEDD01B8-816B-49B7-8C81-03AB51D87C54}">
-  <ds:schemaRefs>
-    <ds:schemaRef ds:uri="http://schemas.microsoft.com/office/2006/documentManagement/types"/>
-    <ds:schemaRef ds:uri="http://purl.org/dc/terms/"/>
-    <ds:schemaRef ds:uri="http://schemas.openxmlformats.org/package/2006/metadata/core-properties"/>
-    <ds:schemaRef ds:uri="http://purl.org/dc/dcmitype/"/>
-    <ds:schemaRef ds:uri="http://schemas.microsoft.com/office/infopath/2007/PartnerControls"/>
-    <ds:schemaRef ds:uri="http://purl.org/dc/elements/1.1/"/>
-    <ds:schemaRef ds:uri="http://schemas.microsoft.com/office/2006/metadata/properties"/>
-    <ds:schemaRef ds:uri="40262f94-9f35-4ac3-9a90-690165a166b7"/>
-    <ds:schemaRef ds:uri="a4f35948-e619-41b3-aa29-22878b09cfd2"/>
-    <ds:schemaRef ds:uri="http://www.w3.org/XML/1998/namespace"/>
-  </ds:schemaRefs>
-</ds:datastoreItem>
 </file>